--- a/13.Firewall/13-Firewalld.pptx
+++ b/13.Firewall/13-Firewalld.pptx
@@ -3983,7 +3983,7 @@
         <p:spPr>
           <a:xfrm>
             <a:off x="0" y="533400"/>
-            <a:ext cx="8686800" cy="923330"/>
+            <a:ext cx="8686800" cy="4308872"/>
           </a:xfrm>
           <a:prstGeom prst="rect">
             <a:avLst/>
@@ -4007,12 +4007,109 @@
           <a:p>
             <a:endParaRPr lang="en-US" dirty="0" smtClean="0"/>
           </a:p>
+          <a:p>
+            <a:r>
+              <a:rPr lang="en-US" sz="2000" dirty="0" err="1" smtClean="0">
+                <a:solidFill>
+                  <a:schemeClr val="bg1"/>
+                </a:solidFill>
+              </a:rPr>
+              <a:t>Firewalld</a:t>
+            </a:r>
+            <a:r>
+              <a:rPr lang="en-US" sz="2000" dirty="0" smtClean="0">
+                <a:solidFill>
+                  <a:schemeClr val="accent6"/>
+                </a:solidFill>
+              </a:rPr>
+              <a:t> is installed from the </a:t>
+            </a:r>
+            <a:r>
+              <a:rPr lang="en-US" sz="2000" dirty="0" err="1" smtClean="0">
+                <a:solidFill>
+                  <a:schemeClr val="bg1"/>
+                </a:solidFill>
+              </a:rPr>
+              <a:t>firewalld</a:t>
+            </a:r>
+            <a:r>
+              <a:rPr lang="en-US" sz="2000" dirty="0" smtClean="0">
+                <a:solidFill>
+                  <a:schemeClr val="accent6"/>
+                </a:solidFill>
+              </a:rPr>
+              <a:t> package, it is not part of the minimal install. </a:t>
+            </a:r>
+          </a:p>
+          <a:p>
+            <a:endParaRPr lang="en-US" sz="2000" dirty="0">
+              <a:solidFill>
+                <a:schemeClr val="accent6"/>
+              </a:solidFill>
+            </a:endParaRPr>
+          </a:p>
+          <a:p>
+            <a:r>
+              <a:rPr lang="en-US" sz="2000" dirty="0" smtClean="0">
+                <a:solidFill>
+                  <a:schemeClr val="accent6"/>
+                </a:solidFill>
+              </a:rPr>
+              <a:t>Every packet that comes into the system will first be checked for its source address. If that source address is tied to a specific zone, the rules for that zone will be parsed, if the source address is not tied to a zone, the zone for the incoming network interface will be used.</a:t>
+            </a:r>
+          </a:p>
+          <a:p>
+            <a:endParaRPr lang="en-US" sz="2000" dirty="0">
+              <a:solidFill>
+                <a:schemeClr val="accent6"/>
+              </a:solidFill>
+            </a:endParaRPr>
+          </a:p>
+          <a:p>
+            <a:r>
+              <a:rPr lang="en-US" sz="2000" dirty="0" smtClean="0">
+                <a:solidFill>
+                  <a:schemeClr val="accent6"/>
+                </a:solidFill>
+              </a:rPr>
+              <a:t>If the network interface is not associated with a zone for some reason, the </a:t>
+            </a:r>
+            <a:r>
+              <a:rPr lang="en-US" sz="2000" dirty="0" smtClean="0">
+                <a:solidFill>
+                  <a:schemeClr val="bg1"/>
+                </a:solidFill>
+              </a:rPr>
+              <a:t>default</a:t>
+            </a:r>
+            <a:r>
+              <a:rPr lang="en-US" sz="2000" dirty="0" smtClean="0">
+                <a:solidFill>
+                  <a:schemeClr val="accent6"/>
+                </a:solidFill>
+              </a:rPr>
+              <a:t> zone will be used. The public zone is used by default, but this can be changed by a </a:t>
+            </a:r>
+            <a:r>
+              <a:rPr lang="en-US" sz="2000" smtClean="0">
+                <a:solidFill>
+                  <a:schemeClr val="accent6"/>
+                </a:solidFill>
+              </a:rPr>
+              <a:t>system administrator.</a:t>
+            </a:r>
+            <a:endParaRPr lang="en-US" sz="2000" dirty="0">
+              <a:solidFill>
+                <a:schemeClr val="accent6"/>
+              </a:solidFill>
+            </a:endParaRPr>
+          </a:p>
         </p:txBody>
       </p:sp>
     </p:spTree>
     <p:extLst>
       <p:ext uri="{BB962C8B-B14F-4D97-AF65-F5344CB8AC3E}">
-        <p14:creationId xmlns:p14="http://schemas.microsoft.com/office/powerpoint/2010/main" val="427825844"/>
+        <p14:creationId xmlns:p14="http://schemas.microsoft.com/office/powerpoint/2010/main" val="1774444344"/>
       </p:ext>
     </p:extLst>
   </p:cSld>

--- a/13.Firewall/13-Firewalld.pptx
+++ b/13.Firewall/13-Firewalld.pptx
@@ -5,11 +5,14 @@
     <p:sldMasterId id="2147483648" r:id="rId1"/>
   </p:sldMasterIdLst>
   <p:notesMasterIdLst>
-    <p:notesMasterId r:id="rId4"/>
+    <p:notesMasterId r:id="rId7"/>
   </p:notesMasterIdLst>
   <p:sldIdLst>
     <p:sldId id="284" r:id="rId2"/>
     <p:sldId id="285" r:id="rId3"/>
+    <p:sldId id="286" r:id="rId4"/>
+    <p:sldId id="288" r:id="rId5"/>
+    <p:sldId id="287" r:id="rId6"/>
   </p:sldIdLst>
   <p:sldSz cx="9144000" cy="6858000" type="screen4x3"/>
   <p:notesSz cx="6858000" cy="9144000"/>
@@ -3983,7 +3986,7 @@
         <p:spPr>
           <a:xfrm>
             <a:off x="0" y="533400"/>
-            <a:ext cx="8686800" cy="4308872"/>
+            <a:ext cx="8686800" cy="4985980"/>
           </a:xfrm>
           <a:prstGeom prst="rect">
             <a:avLst/>
@@ -4009,7 +4012,7 @@
           </a:p>
           <a:p>
             <a:r>
-              <a:rPr lang="en-US" sz="2000" dirty="0" err="1" smtClean="0">
+              <a:rPr lang="en-US" sz="2400" dirty="0" err="1" smtClean="0">
                 <a:solidFill>
                   <a:schemeClr val="bg1"/>
                 </a:solidFill>
@@ -4017,7 +4020,7 @@
               <a:t>Firewalld</a:t>
             </a:r>
             <a:r>
-              <a:rPr lang="en-US" sz="2000" dirty="0" smtClean="0">
+              <a:rPr lang="en-US" sz="2400" dirty="0" smtClean="0">
                 <a:solidFill>
                   <a:schemeClr val="accent6"/>
                 </a:solidFill>
@@ -4025,7 +4028,7 @@
               <a:t> is installed from the </a:t>
             </a:r>
             <a:r>
-              <a:rPr lang="en-US" sz="2000" dirty="0" err="1" smtClean="0">
+              <a:rPr lang="en-US" sz="2400" dirty="0" err="1" smtClean="0">
                 <a:solidFill>
                   <a:schemeClr val="bg1"/>
                 </a:solidFill>
@@ -4033,7 +4036,7 @@
               <a:t>firewalld</a:t>
             </a:r>
             <a:r>
-              <a:rPr lang="en-US" sz="2000" dirty="0" smtClean="0">
+              <a:rPr lang="en-US" sz="2400" dirty="0" smtClean="0">
                 <a:solidFill>
                   <a:schemeClr val="accent6"/>
                 </a:solidFill>
@@ -4042,7 +4045,7 @@
             </a:r>
           </a:p>
           <a:p>
-            <a:endParaRPr lang="en-US" sz="2000" dirty="0">
+            <a:endParaRPr lang="en-US" sz="2400" dirty="0">
               <a:solidFill>
                 <a:schemeClr val="accent6"/>
               </a:solidFill>
@@ -4050,7 +4053,7 @@
           </a:p>
           <a:p>
             <a:r>
-              <a:rPr lang="en-US" sz="2000" dirty="0" smtClean="0">
+              <a:rPr lang="en-US" sz="2400" dirty="0" smtClean="0">
                 <a:solidFill>
                   <a:schemeClr val="accent6"/>
                 </a:solidFill>
@@ -4059,7 +4062,7 @@
             </a:r>
           </a:p>
           <a:p>
-            <a:endParaRPr lang="en-US" sz="2000" dirty="0">
+            <a:endParaRPr lang="en-US" sz="2400" dirty="0">
               <a:solidFill>
                 <a:schemeClr val="accent6"/>
               </a:solidFill>
@@ -4067,7 +4070,7 @@
           </a:p>
           <a:p>
             <a:r>
-              <a:rPr lang="en-US" sz="2000" dirty="0" smtClean="0">
+              <a:rPr lang="en-US" sz="2400" dirty="0" smtClean="0">
                 <a:solidFill>
                   <a:schemeClr val="accent6"/>
                 </a:solidFill>
@@ -4075,7 +4078,7 @@
               <a:t>If the network interface is not associated with a zone for some reason, the </a:t>
             </a:r>
             <a:r>
-              <a:rPr lang="en-US" sz="2000" dirty="0" smtClean="0">
+              <a:rPr lang="en-US" sz="2400" dirty="0" smtClean="0">
                 <a:solidFill>
                   <a:schemeClr val="bg1"/>
                 </a:solidFill>
@@ -4083,22 +4086,30 @@
               <a:t>default</a:t>
             </a:r>
             <a:r>
-              <a:rPr lang="en-US" sz="2000" dirty="0" smtClean="0">
-                <a:solidFill>
-                  <a:schemeClr val="accent6"/>
-                </a:solidFill>
-              </a:rPr>
-              <a:t> zone will be used. The public zone is used by default, but this can be changed by a </a:t>
-            </a:r>
-            <a:r>
-              <a:rPr lang="en-US" sz="2000" smtClean="0">
-                <a:solidFill>
-                  <a:schemeClr val="accent6"/>
-                </a:solidFill>
-              </a:rPr>
-              <a:t>system administrator.</a:t>
-            </a:r>
-            <a:endParaRPr lang="en-US" sz="2000" dirty="0">
+              <a:rPr lang="en-US" sz="2400" dirty="0" smtClean="0">
+                <a:solidFill>
+                  <a:schemeClr val="accent6"/>
+                </a:solidFill>
+              </a:rPr>
+              <a:t> zone will be used. The </a:t>
+            </a:r>
+            <a:r>
+              <a:rPr lang="en-US" sz="2400" dirty="0" smtClean="0">
+                <a:solidFill>
+                  <a:schemeClr val="bg1"/>
+                </a:solidFill>
+              </a:rPr>
+              <a:t>public zone </a:t>
+            </a:r>
+            <a:r>
+              <a:rPr lang="en-US" sz="2400" dirty="0" smtClean="0">
+                <a:solidFill>
+                  <a:schemeClr val="accent6"/>
+                </a:solidFill>
+              </a:rPr>
+              <a:t>is used by default, but this can be changed by a system administrator.</a:t>
+            </a:r>
+            <a:endParaRPr lang="en-US" sz="2400" dirty="0">
               <a:solidFill>
                 <a:schemeClr val="accent6"/>
               </a:solidFill>
@@ -4110,6 +4121,1342 @@
     <p:extLst>
       <p:ext uri="{BB962C8B-B14F-4D97-AF65-F5344CB8AC3E}">
         <p14:creationId xmlns:p14="http://schemas.microsoft.com/office/powerpoint/2010/main" val="1774444344"/>
+      </p:ext>
+    </p:extLst>
+  </p:cSld>
+  <p:clrMapOvr>
+    <a:masterClrMapping/>
+  </p:clrMapOvr>
+</p:sld>
+</file>
+
+<file path=ppt/slides/slide3.xml><?xml version="1.0" encoding="utf-8"?>
+<p:sld xmlns:a="http://schemas.openxmlformats.org/drawingml/2006/main" xmlns:r="http://schemas.openxmlformats.org/officeDocument/2006/relationships" xmlns:p="http://schemas.openxmlformats.org/presentationml/2006/main">
+  <p:cSld>
+    <p:spTree>
+      <p:nvGrpSpPr>
+        <p:cNvPr id="1" name=""/>
+        <p:cNvGrpSpPr/>
+        <p:nvPr/>
+      </p:nvGrpSpPr>
+      <p:grpSpPr>
+        <a:xfrm>
+          <a:off x="0" y="0"/>
+          <a:ext cx="0" cy="0"/>
+          <a:chOff x="0" y="0"/>
+          <a:chExt cx="0" cy="0"/>
+        </a:xfrm>
+      </p:grpSpPr>
+      <p:sp>
+        <p:nvSpPr>
+          <p:cNvPr id="2" name="Title 1"/>
+          <p:cNvSpPr>
+            <a:spLocks noGrp="1"/>
+          </p:cNvSpPr>
+          <p:nvPr>
+            <p:ph type="title"/>
+          </p:nvPr>
+        </p:nvSpPr>
+        <p:spPr/>
+        <p:txBody>
+          <a:bodyPr>
+            <a:normAutofit fontScale="90000"/>
+          </a:bodyPr>
+          <a:lstStyle/>
+          <a:p>
+            <a:r>
+              <a:rPr lang="en-US" dirty="0" smtClean="0">
+                <a:solidFill>
+                  <a:schemeClr val="accent6"/>
+                </a:solidFill>
+              </a:rPr>
+              <a:t/>
+            </a:r>
+            <a:br>
+              <a:rPr lang="en-US" dirty="0" smtClean="0">
+                <a:solidFill>
+                  <a:schemeClr val="accent6"/>
+                </a:solidFill>
+              </a:rPr>
+            </a:br>
+            <a:r>
+              <a:rPr lang="en-US" dirty="0">
+                <a:solidFill>
+                  <a:schemeClr val="accent6"/>
+                </a:solidFill>
+              </a:rPr>
+              <a:t/>
+            </a:r>
+            <a:br>
+              <a:rPr lang="en-US" dirty="0">
+                <a:solidFill>
+                  <a:schemeClr val="accent6"/>
+                </a:solidFill>
+              </a:rPr>
+            </a:br>
+            <a:r>
+              <a:rPr lang="en-US" dirty="0" smtClean="0">
+                <a:solidFill>
+                  <a:schemeClr val="accent6"/>
+                </a:solidFill>
+              </a:rPr>
+              <a:t/>
+            </a:r>
+            <a:br>
+              <a:rPr lang="en-US" dirty="0" smtClean="0">
+                <a:solidFill>
+                  <a:schemeClr val="accent6"/>
+                </a:solidFill>
+              </a:rPr>
+            </a:br>
+            <a:r>
+              <a:rPr lang="en-US" dirty="0">
+                <a:solidFill>
+                  <a:schemeClr val="accent6"/>
+                </a:solidFill>
+              </a:rPr>
+              <a:t/>
+            </a:r>
+            <a:br>
+              <a:rPr lang="en-US" dirty="0">
+                <a:solidFill>
+                  <a:schemeClr val="accent6"/>
+                </a:solidFill>
+              </a:rPr>
+            </a:br>
+            <a:r>
+              <a:rPr lang="en-US" dirty="0" smtClean="0">
+                <a:solidFill>
+                  <a:schemeClr val="accent6"/>
+                </a:solidFill>
+              </a:rPr>
+              <a:t/>
+            </a:r>
+            <a:br>
+              <a:rPr lang="en-US" dirty="0" smtClean="0">
+                <a:solidFill>
+                  <a:schemeClr val="accent6"/>
+                </a:solidFill>
+              </a:rPr>
+            </a:br>
+            <a:r>
+              <a:rPr lang="en-US" dirty="0">
+                <a:solidFill>
+                  <a:schemeClr val="accent6"/>
+                </a:solidFill>
+              </a:rPr>
+              <a:t/>
+            </a:r>
+            <a:br>
+              <a:rPr lang="en-US" dirty="0">
+                <a:solidFill>
+                  <a:schemeClr val="accent6"/>
+                </a:solidFill>
+              </a:rPr>
+            </a:br>
+            <a:r>
+              <a:rPr lang="en-US" smtClean="0">
+                <a:solidFill>
+                  <a:schemeClr val="accent6"/>
+                </a:solidFill>
+              </a:rPr>
+              <a:t/>
+            </a:r>
+            <a:br>
+              <a:rPr lang="en-US" smtClean="0">
+                <a:solidFill>
+                  <a:schemeClr val="accent6"/>
+                </a:solidFill>
+              </a:rPr>
+            </a:br>
+            <a:endParaRPr lang="en-US" sz="2700" dirty="0">
+              <a:solidFill>
+                <a:schemeClr val="accent6"/>
+              </a:solidFill>
+            </a:endParaRPr>
+          </a:p>
+        </p:txBody>
+      </p:sp>
+      <p:sp>
+        <p:nvSpPr>
+          <p:cNvPr id="4" name="TextBox 3"/>
+          <p:cNvSpPr txBox="1"/>
+          <p:nvPr/>
+        </p:nvSpPr>
+        <p:spPr>
+          <a:xfrm>
+            <a:off x="0" y="533400"/>
+            <a:ext cx="8686800" cy="923330"/>
+          </a:xfrm>
+          <a:prstGeom prst="rect">
+            <a:avLst/>
+          </a:prstGeom>
+          <a:noFill/>
+        </p:spPr>
+        <p:txBody>
+          <a:bodyPr wrap="square" rtlCol="0">
+            <a:spAutoFit/>
+          </a:bodyPr>
+          <a:lstStyle/>
+          <a:p>
+            <a:r>
+              <a:rPr lang="en-US" dirty="0" smtClean="0"/>
+              <a:t>P</a:t>
+            </a:r>
+          </a:p>
+          <a:p>
+            <a:endParaRPr lang="en-US" dirty="0"/>
+          </a:p>
+          <a:p>
+            <a:endParaRPr lang="en-US" dirty="0" smtClean="0"/>
+          </a:p>
+        </p:txBody>
+      </p:sp>
+      <p:graphicFrame>
+        <p:nvGraphicFramePr>
+          <p:cNvPr id="3" name="Table 2"/>
+          <p:cNvGraphicFramePr>
+            <a:graphicFrameLocks noGrp="1"/>
+          </p:cNvGraphicFramePr>
+          <p:nvPr>
+            <p:extLst>
+              <p:ext uri="{D42A27DB-BD31-4B8C-83A1-F6EECF244321}">
+                <p14:modId xmlns:p14="http://schemas.microsoft.com/office/powerpoint/2010/main" val="1451537408"/>
+              </p:ext>
+            </p:extLst>
+          </p:nvPr>
+        </p:nvGraphicFramePr>
+        <p:xfrm>
+          <a:off x="228600" y="685800"/>
+          <a:ext cx="8610600" cy="6965623"/>
+        </p:xfrm>
+        <a:graphic>
+          <a:graphicData uri="http://schemas.openxmlformats.org/drawingml/2006/table">
+            <a:tbl>
+              <a:tblPr firstRow="1" bandRow="1">
+                <a:tableStyleId>{5C22544A-7EE6-4342-B048-85BDC9FD1C3A}</a:tableStyleId>
+              </a:tblPr>
+              <a:tblGrid>
+                <a:gridCol w="4305300"/>
+                <a:gridCol w="4305300"/>
+              </a:tblGrid>
+              <a:tr h="416268">
+                <a:tc>
+                  <a:txBody>
+                    <a:bodyPr/>
+                    <a:lstStyle/>
+                    <a:p>
+                      <a:r>
+                        <a:rPr lang="en-US" dirty="0" smtClean="0"/>
+                        <a:t>Zone name</a:t>
+                      </a:r>
+                      <a:endParaRPr lang="en-US" dirty="0"/>
+                    </a:p>
+                  </a:txBody>
+                  <a:tcPr/>
+                </a:tc>
+                <a:tc>
+                  <a:txBody>
+                    <a:bodyPr/>
+                    <a:lstStyle/>
+                    <a:p>
+                      <a:r>
+                        <a:rPr lang="en-US" dirty="0" smtClean="0"/>
+                        <a:t>Default configuration</a:t>
+                      </a:r>
+                      <a:endParaRPr lang="en-US" dirty="0"/>
+                    </a:p>
+                  </a:txBody>
+                  <a:tcPr/>
+                </a:tc>
+              </a:tr>
+              <a:tr h="1950180">
+                <a:tc>
+                  <a:txBody>
+                    <a:bodyPr/>
+                    <a:lstStyle/>
+                    <a:p>
+                      <a:r>
+                        <a:rPr lang="en-US" dirty="0" smtClean="0"/>
+                        <a:t>public</a:t>
+                      </a:r>
+                      <a:endParaRPr lang="en-US" dirty="0"/>
+                    </a:p>
+                  </a:txBody>
+                  <a:tcPr/>
+                </a:tc>
+                <a:tc>
+                  <a:txBody>
+                    <a:bodyPr/>
+                    <a:lstStyle/>
+                    <a:p>
+                      <a:r>
+                        <a:rPr lang="en-US" dirty="0" smtClean="0"/>
+                        <a:t>Reject incoming traffic unless related to outgoing</a:t>
+                      </a:r>
+                      <a:r>
+                        <a:rPr lang="en-US" baseline="0" dirty="0" smtClean="0"/>
+                        <a:t> traffic or matching the </a:t>
+                      </a:r>
+                      <a:r>
+                        <a:rPr lang="en-US" baseline="0" dirty="0" err="1" smtClean="0"/>
+                        <a:t>ssh</a:t>
+                      </a:r>
+                      <a:r>
+                        <a:rPr lang="en-US" baseline="0" dirty="0" smtClean="0"/>
+                        <a:t> or dhcpv6-client. The default zone for newly-added network interfaces</a:t>
+                      </a:r>
+                      <a:endParaRPr lang="en-US" dirty="0"/>
+                    </a:p>
+                  </a:txBody>
+                  <a:tcPr/>
+                </a:tc>
+              </a:tr>
+              <a:tr h="416268">
+                <a:tc>
+                  <a:txBody>
+                    <a:bodyPr/>
+                    <a:lstStyle/>
+                    <a:p>
+                      <a:r>
+                        <a:rPr lang="en-US" dirty="0" smtClean="0"/>
+                        <a:t>trusted</a:t>
+                      </a:r>
+                      <a:endParaRPr lang="en-US" dirty="0"/>
+                    </a:p>
+                  </a:txBody>
+                  <a:tcPr/>
+                </a:tc>
+                <a:tc>
+                  <a:txBody>
+                    <a:bodyPr/>
+                    <a:lstStyle/>
+                    <a:p>
+                      <a:r>
+                        <a:rPr lang="en-US" dirty="0" smtClean="0"/>
+                        <a:t>Allow all incoming traffic</a:t>
+                      </a:r>
+                      <a:endParaRPr lang="en-US" dirty="0"/>
+                    </a:p>
+                  </a:txBody>
+                  <a:tcPr/>
+                </a:tc>
+              </a:tr>
+              <a:tr h="1642258">
+                <a:tc>
+                  <a:txBody>
+                    <a:bodyPr/>
+                    <a:lstStyle/>
+                    <a:p>
+                      <a:r>
+                        <a:rPr lang="en-US" dirty="0" smtClean="0"/>
+                        <a:t>home</a:t>
+                      </a:r>
+                      <a:endParaRPr lang="en-US" dirty="0"/>
+                    </a:p>
+                  </a:txBody>
+                  <a:tcPr/>
+                </a:tc>
+                <a:tc>
+                  <a:txBody>
+                    <a:bodyPr/>
+                    <a:lstStyle/>
+                    <a:p>
+                      <a:r>
+                        <a:rPr lang="en-US" dirty="0" smtClean="0"/>
+                        <a:t>Reject incoming traffic unless</a:t>
+                      </a:r>
+                      <a:r>
+                        <a:rPr lang="en-US" baseline="0" dirty="0" smtClean="0"/>
+                        <a:t> related to outgoing traffic or matching the </a:t>
+                      </a:r>
+                      <a:r>
+                        <a:rPr lang="en-US" baseline="0" dirty="0" err="1" smtClean="0"/>
+                        <a:t>ssh</a:t>
+                      </a:r>
+                      <a:r>
+                        <a:rPr lang="en-US" baseline="0" dirty="0" smtClean="0"/>
+                        <a:t>, </a:t>
+                      </a:r>
+                      <a:r>
+                        <a:rPr lang="en-US" baseline="0" dirty="0" err="1" smtClean="0"/>
+                        <a:t>mdns</a:t>
+                      </a:r>
+                      <a:r>
+                        <a:rPr lang="en-US" baseline="0" dirty="0" smtClean="0"/>
+                        <a:t>, </a:t>
+                      </a:r>
+                      <a:r>
+                        <a:rPr lang="en-US" baseline="0" dirty="0" err="1" smtClean="0"/>
+                        <a:t>ipp</a:t>
+                      </a:r>
+                      <a:r>
+                        <a:rPr lang="en-US" baseline="0" dirty="0" smtClean="0"/>
+                        <a:t>-client, samba-client, dhcpv6-client</a:t>
+                      </a:r>
+                      <a:endParaRPr lang="en-US" dirty="0"/>
+                    </a:p>
+                  </a:txBody>
+                  <a:tcPr/>
+                </a:tc>
+              </a:tr>
+              <a:tr h="940981">
+                <a:tc>
+                  <a:txBody>
+                    <a:bodyPr/>
+                    <a:lstStyle/>
+                    <a:p>
+                      <a:r>
+                        <a:rPr lang="en-US" dirty="0" err="1" smtClean="0"/>
+                        <a:t>dmz</a:t>
+                      </a:r>
+                      <a:endParaRPr lang="en-US" dirty="0"/>
+                    </a:p>
+                  </a:txBody>
+                  <a:tcPr/>
+                </a:tc>
+                <a:tc>
+                  <a:txBody>
+                    <a:bodyPr/>
+                    <a:lstStyle/>
+                    <a:p>
+                      <a:r>
+                        <a:rPr lang="en-US" dirty="0" smtClean="0"/>
+                        <a:t>Reject incoming traffic unless</a:t>
+                      </a:r>
+                      <a:r>
+                        <a:rPr lang="en-US" baseline="0" dirty="0" smtClean="0"/>
+                        <a:t> related to outgoing traffic or matching the </a:t>
+                      </a:r>
+                      <a:r>
+                        <a:rPr lang="en-US" baseline="0" dirty="0" err="1" smtClean="0"/>
+                        <a:t>ssh</a:t>
+                      </a:r>
+                      <a:r>
+                        <a:rPr lang="en-US" baseline="0" dirty="0" smtClean="0"/>
+                        <a:t> pre-defined service.</a:t>
+                      </a:r>
+                      <a:endParaRPr lang="en-US" dirty="0"/>
+                    </a:p>
+                  </a:txBody>
+                  <a:tcPr/>
+                </a:tc>
+              </a:tr>
+              <a:tr h="658687">
+                <a:tc>
+                  <a:txBody>
+                    <a:bodyPr/>
+                    <a:lstStyle/>
+                    <a:p>
+                      <a:r>
+                        <a:rPr lang="en-US" dirty="0" smtClean="0"/>
+                        <a:t>block</a:t>
+                      </a:r>
+                      <a:endParaRPr lang="en-US" dirty="0"/>
+                    </a:p>
+                  </a:txBody>
+                  <a:tcPr/>
+                </a:tc>
+                <a:tc>
+                  <a:txBody>
+                    <a:bodyPr/>
+                    <a:lstStyle/>
+                    <a:p>
+                      <a:r>
+                        <a:rPr lang="en-US" dirty="0" smtClean="0"/>
+                        <a:t>Reject all incoming</a:t>
+                      </a:r>
+                      <a:r>
+                        <a:rPr lang="en-US" baseline="0" dirty="0" smtClean="0"/>
+                        <a:t> traffic unless related to outgoing traffic.</a:t>
+                      </a:r>
+                      <a:endParaRPr lang="en-US" dirty="0"/>
+                    </a:p>
+                  </a:txBody>
+                  <a:tcPr/>
+                </a:tc>
+              </a:tr>
+              <a:tr h="940981">
+                <a:tc>
+                  <a:txBody>
+                    <a:bodyPr/>
+                    <a:lstStyle/>
+                    <a:p>
+                      <a:r>
+                        <a:rPr lang="en-US" dirty="0" smtClean="0"/>
+                        <a:t>drop</a:t>
+                      </a:r>
+                      <a:endParaRPr lang="en-US" dirty="0"/>
+                    </a:p>
+                  </a:txBody>
+                  <a:tcPr/>
+                </a:tc>
+                <a:tc>
+                  <a:txBody>
+                    <a:bodyPr/>
+                    <a:lstStyle/>
+                    <a:p>
+                      <a:r>
+                        <a:rPr lang="en-US" dirty="0" smtClean="0"/>
+                        <a:t>Drop</a:t>
+                      </a:r>
+                      <a:r>
+                        <a:rPr lang="en-US" baseline="0" dirty="0" smtClean="0"/>
+                        <a:t> all incoming traffic unless related to outgoing traffic ( do not even respond with ICMP errors).</a:t>
+                      </a:r>
+                      <a:endParaRPr lang="en-US" dirty="0"/>
+                    </a:p>
+                  </a:txBody>
+                  <a:tcPr/>
+                </a:tc>
+              </a:tr>
+            </a:tbl>
+          </a:graphicData>
+        </a:graphic>
+      </p:graphicFrame>
+    </p:spTree>
+    <p:extLst>
+      <p:ext uri="{BB962C8B-B14F-4D97-AF65-F5344CB8AC3E}">
+        <p14:creationId xmlns:p14="http://schemas.microsoft.com/office/powerpoint/2010/main" val="1904336946"/>
+      </p:ext>
+    </p:extLst>
+  </p:cSld>
+  <p:clrMapOvr>
+    <a:masterClrMapping/>
+  </p:clrMapOvr>
+</p:sld>
+</file>
+
+<file path=ppt/slides/slide4.xml><?xml version="1.0" encoding="utf-8"?>
+<p:sld xmlns:a="http://schemas.openxmlformats.org/drawingml/2006/main" xmlns:r="http://schemas.openxmlformats.org/officeDocument/2006/relationships" xmlns:p="http://schemas.openxmlformats.org/presentationml/2006/main">
+  <p:cSld>
+    <p:spTree>
+      <p:nvGrpSpPr>
+        <p:cNvPr id="1" name=""/>
+        <p:cNvGrpSpPr/>
+        <p:nvPr/>
+      </p:nvGrpSpPr>
+      <p:grpSpPr>
+        <a:xfrm>
+          <a:off x="0" y="0"/>
+          <a:ext cx="0" cy="0"/>
+          <a:chOff x="0" y="0"/>
+          <a:chExt cx="0" cy="0"/>
+        </a:xfrm>
+      </p:grpSpPr>
+      <p:sp>
+        <p:nvSpPr>
+          <p:cNvPr id="2" name="Title 1"/>
+          <p:cNvSpPr>
+            <a:spLocks noGrp="1"/>
+          </p:cNvSpPr>
+          <p:nvPr>
+            <p:ph type="title"/>
+          </p:nvPr>
+        </p:nvSpPr>
+        <p:spPr/>
+        <p:txBody>
+          <a:bodyPr>
+            <a:normAutofit fontScale="90000"/>
+          </a:bodyPr>
+          <a:lstStyle/>
+          <a:p>
+            <a:r>
+              <a:rPr lang="en-US" dirty="0" smtClean="0">
+                <a:solidFill>
+                  <a:schemeClr val="accent6"/>
+                </a:solidFill>
+              </a:rPr>
+              <a:t/>
+            </a:r>
+            <a:br>
+              <a:rPr lang="en-US" dirty="0" smtClean="0">
+                <a:solidFill>
+                  <a:schemeClr val="accent6"/>
+                </a:solidFill>
+              </a:rPr>
+            </a:br>
+            <a:r>
+              <a:rPr lang="en-US" dirty="0">
+                <a:solidFill>
+                  <a:schemeClr val="accent6"/>
+                </a:solidFill>
+              </a:rPr>
+              <a:t/>
+            </a:r>
+            <a:br>
+              <a:rPr lang="en-US" dirty="0">
+                <a:solidFill>
+                  <a:schemeClr val="accent6"/>
+                </a:solidFill>
+              </a:rPr>
+            </a:br>
+            <a:r>
+              <a:rPr lang="en-US" dirty="0" smtClean="0">
+                <a:solidFill>
+                  <a:schemeClr val="accent6"/>
+                </a:solidFill>
+              </a:rPr>
+              <a:t/>
+            </a:r>
+            <a:br>
+              <a:rPr lang="en-US" dirty="0" smtClean="0">
+                <a:solidFill>
+                  <a:schemeClr val="accent6"/>
+                </a:solidFill>
+              </a:rPr>
+            </a:br>
+            <a:r>
+              <a:rPr lang="en-US" dirty="0">
+                <a:solidFill>
+                  <a:schemeClr val="accent6"/>
+                </a:solidFill>
+              </a:rPr>
+              <a:t/>
+            </a:r>
+            <a:br>
+              <a:rPr lang="en-US" dirty="0">
+                <a:solidFill>
+                  <a:schemeClr val="accent6"/>
+                </a:solidFill>
+              </a:rPr>
+            </a:br>
+            <a:r>
+              <a:rPr lang="en-US" dirty="0" smtClean="0">
+                <a:solidFill>
+                  <a:schemeClr val="accent6"/>
+                </a:solidFill>
+              </a:rPr>
+              <a:t/>
+            </a:r>
+            <a:br>
+              <a:rPr lang="en-US" dirty="0" smtClean="0">
+                <a:solidFill>
+                  <a:schemeClr val="accent6"/>
+                </a:solidFill>
+              </a:rPr>
+            </a:br>
+            <a:r>
+              <a:rPr lang="en-US" dirty="0">
+                <a:solidFill>
+                  <a:schemeClr val="accent6"/>
+                </a:solidFill>
+              </a:rPr>
+              <a:t/>
+            </a:r>
+            <a:br>
+              <a:rPr lang="en-US" dirty="0">
+                <a:solidFill>
+                  <a:schemeClr val="accent6"/>
+                </a:solidFill>
+              </a:rPr>
+            </a:br>
+            <a:r>
+              <a:rPr lang="en-US" smtClean="0">
+                <a:solidFill>
+                  <a:schemeClr val="accent6"/>
+                </a:solidFill>
+              </a:rPr>
+              <a:t/>
+            </a:r>
+            <a:br>
+              <a:rPr lang="en-US" smtClean="0">
+                <a:solidFill>
+                  <a:schemeClr val="accent6"/>
+                </a:solidFill>
+              </a:rPr>
+            </a:br>
+            <a:endParaRPr lang="en-US" sz="2700" dirty="0">
+              <a:solidFill>
+                <a:schemeClr val="accent6"/>
+              </a:solidFill>
+            </a:endParaRPr>
+          </a:p>
+        </p:txBody>
+      </p:sp>
+      <p:sp>
+        <p:nvSpPr>
+          <p:cNvPr id="4" name="TextBox 3"/>
+          <p:cNvSpPr txBox="1"/>
+          <p:nvPr/>
+        </p:nvSpPr>
+        <p:spPr>
+          <a:xfrm>
+            <a:off x="0" y="552271"/>
+            <a:ext cx="8686800" cy="6186309"/>
+          </a:xfrm>
+          <a:prstGeom prst="rect">
+            <a:avLst/>
+          </a:prstGeom>
+          <a:noFill/>
+        </p:spPr>
+        <p:txBody>
+          <a:bodyPr wrap="square" rtlCol="0">
+            <a:spAutoFit/>
+          </a:bodyPr>
+          <a:lstStyle/>
+          <a:p>
+            <a:r>
+              <a:rPr lang="en-US" dirty="0" smtClean="0"/>
+              <a:t>P</a:t>
+            </a:r>
+          </a:p>
+          <a:p>
+            <a:endParaRPr lang="en-US" dirty="0"/>
+          </a:p>
+          <a:p>
+            <a:r>
+              <a:rPr lang="en-US" dirty="0" err="1" smtClean="0"/>
+              <a:t>E</a:t>
+            </a:r>
+            <a:r>
+              <a:rPr lang="en-US" dirty="0" err="1" smtClean="0">
+                <a:solidFill>
+                  <a:srgbClr val="FF0000"/>
+                </a:solidFill>
+              </a:rPr>
+              <a:t>Exercises</a:t>
+            </a:r>
+            <a:r>
+              <a:rPr lang="en-US" dirty="0" smtClean="0">
+                <a:solidFill>
+                  <a:srgbClr val="FF0000"/>
+                </a:solidFill>
+              </a:rPr>
+              <a:t>:</a:t>
+            </a:r>
+          </a:p>
+          <a:p>
+            <a:r>
+              <a:rPr lang="en-US" dirty="0" smtClean="0">
+                <a:solidFill>
+                  <a:schemeClr val="accent6"/>
+                </a:solidFill>
+              </a:rPr>
+              <a:t>1. Find information about the zones in the manual page </a:t>
+            </a:r>
+            <a:r>
+              <a:rPr lang="en-US" dirty="0" smtClean="0">
+                <a:solidFill>
+                  <a:schemeClr val="bg1"/>
+                </a:solidFill>
+              </a:rPr>
+              <a:t>man </a:t>
+            </a:r>
+            <a:r>
+              <a:rPr lang="en-US" dirty="0" err="1" smtClean="0">
+                <a:solidFill>
+                  <a:schemeClr val="bg1"/>
+                </a:solidFill>
+              </a:rPr>
+              <a:t>firewalld.zones</a:t>
+            </a:r>
+            <a:endParaRPr lang="en-US" dirty="0" smtClean="0">
+              <a:solidFill>
+                <a:schemeClr val="bg1"/>
+              </a:solidFill>
+            </a:endParaRPr>
+          </a:p>
+          <a:p>
+            <a:endParaRPr lang="en-US" dirty="0">
+              <a:solidFill>
+                <a:schemeClr val="bg1"/>
+              </a:solidFill>
+            </a:endParaRPr>
+          </a:p>
+          <a:p>
+            <a:r>
+              <a:rPr lang="en-US" dirty="0" err="1" smtClean="0">
+                <a:solidFill>
+                  <a:schemeClr val="bg1"/>
+                </a:solidFill>
+              </a:rPr>
+              <a:t>Firewalld</a:t>
+            </a:r>
+            <a:r>
+              <a:rPr lang="en-US" dirty="0" smtClean="0">
+                <a:solidFill>
+                  <a:schemeClr val="bg1"/>
+                </a:solidFill>
+              </a:rPr>
+              <a:t> </a:t>
+            </a:r>
+            <a:r>
+              <a:rPr lang="en-US" dirty="0" smtClean="0">
+                <a:solidFill>
+                  <a:schemeClr val="accent6"/>
+                </a:solidFill>
+              </a:rPr>
+              <a:t>also ships with a number of pre-defined services. These service definitions can be used to easily permit traffic for particular network services to pass through the firewall.</a:t>
+            </a:r>
+            <a:endParaRPr lang="bg-BG" dirty="0" smtClean="0">
+              <a:solidFill>
+                <a:schemeClr val="accent6"/>
+              </a:solidFill>
+            </a:endParaRPr>
+          </a:p>
+          <a:p>
+            <a:endParaRPr lang="en-US" dirty="0" smtClean="0">
+              <a:solidFill>
+                <a:schemeClr val="accent6"/>
+              </a:solidFill>
+            </a:endParaRPr>
+          </a:p>
+          <a:p>
+            <a:endParaRPr lang="en-US" dirty="0">
+              <a:solidFill>
+                <a:schemeClr val="accent6"/>
+              </a:solidFill>
+            </a:endParaRPr>
+          </a:p>
+          <a:p>
+            <a:endParaRPr lang="en-US" dirty="0" smtClean="0">
+              <a:solidFill>
+                <a:schemeClr val="accent6"/>
+              </a:solidFill>
+            </a:endParaRPr>
+          </a:p>
+          <a:p>
+            <a:endParaRPr lang="en-US" dirty="0">
+              <a:solidFill>
+                <a:schemeClr val="accent6"/>
+              </a:solidFill>
+            </a:endParaRPr>
+          </a:p>
+          <a:p>
+            <a:endParaRPr lang="en-US" dirty="0" smtClean="0">
+              <a:solidFill>
+                <a:schemeClr val="accent6"/>
+              </a:solidFill>
+            </a:endParaRPr>
+          </a:p>
+          <a:p>
+            <a:endParaRPr lang="en-US" dirty="0">
+              <a:solidFill>
+                <a:schemeClr val="accent6"/>
+              </a:solidFill>
+            </a:endParaRPr>
+          </a:p>
+          <a:p>
+            <a:endParaRPr lang="en-US" dirty="0" smtClean="0">
+              <a:solidFill>
+                <a:schemeClr val="accent6"/>
+              </a:solidFill>
+            </a:endParaRPr>
+          </a:p>
+          <a:p>
+            <a:endParaRPr lang="en-US" dirty="0">
+              <a:solidFill>
+                <a:schemeClr val="accent6"/>
+              </a:solidFill>
+            </a:endParaRPr>
+          </a:p>
+          <a:p>
+            <a:endParaRPr lang="en-US" dirty="0" smtClean="0">
+              <a:solidFill>
+                <a:schemeClr val="accent6"/>
+              </a:solidFill>
+            </a:endParaRPr>
+          </a:p>
+          <a:p>
+            <a:endParaRPr lang="en-US" dirty="0">
+              <a:solidFill>
+                <a:schemeClr val="accent6"/>
+              </a:solidFill>
+            </a:endParaRPr>
+          </a:p>
+          <a:p>
+            <a:endParaRPr lang="en-US" dirty="0" smtClean="0">
+              <a:solidFill>
+                <a:schemeClr val="accent6"/>
+              </a:solidFill>
+            </a:endParaRPr>
+          </a:p>
+          <a:p>
+            <a:endParaRPr lang="en-US" dirty="0">
+              <a:solidFill>
+                <a:schemeClr val="accent6"/>
+              </a:solidFill>
+            </a:endParaRPr>
+          </a:p>
+          <a:p>
+            <a:r>
+              <a:rPr lang="en-US" dirty="0">
+                <a:solidFill>
+                  <a:schemeClr val="accent6"/>
+                </a:solidFill>
+              </a:rPr>
+              <a:t>	</a:t>
+            </a:r>
+            <a:r>
+              <a:rPr lang="en-US" dirty="0" smtClean="0">
+                <a:solidFill>
+                  <a:schemeClr val="accent6"/>
+                </a:solidFill>
+              </a:rPr>
+              <a:t>Many other pre-defined services exist. </a:t>
+            </a:r>
+            <a:r>
+              <a:rPr lang="en-US" dirty="0" err="1" smtClean="0">
+                <a:solidFill>
+                  <a:srgbClr val="FF0000"/>
+                </a:solidFill>
+              </a:rPr>
+              <a:t>Exercsies</a:t>
+            </a:r>
+            <a:r>
+              <a:rPr lang="en-US" dirty="0" smtClean="0">
+                <a:solidFill>
+                  <a:srgbClr val="FF0000"/>
+                </a:solidFill>
+              </a:rPr>
+              <a:t>:</a:t>
+            </a:r>
+          </a:p>
+          <a:p>
+            <a:r>
+              <a:rPr lang="en-US" dirty="0">
+                <a:solidFill>
+                  <a:schemeClr val="accent6"/>
+                </a:solidFill>
+              </a:rPr>
+              <a:t>	</a:t>
+            </a:r>
+            <a:r>
+              <a:rPr lang="en-US" dirty="0" smtClean="0">
+                <a:solidFill>
+                  <a:schemeClr val="accent6"/>
+                </a:solidFill>
+              </a:rPr>
+              <a:t>			1. </a:t>
+            </a:r>
+            <a:r>
+              <a:rPr lang="en-US" dirty="0" smtClean="0">
+                <a:solidFill>
+                  <a:schemeClr val="bg1"/>
+                </a:solidFill>
+              </a:rPr>
+              <a:t>firewall-</a:t>
+            </a:r>
+            <a:r>
+              <a:rPr lang="en-US" dirty="0" err="1" smtClean="0">
+                <a:solidFill>
+                  <a:schemeClr val="bg1"/>
+                </a:solidFill>
+              </a:rPr>
+              <a:t>cmd</a:t>
+            </a:r>
+            <a:r>
+              <a:rPr lang="en-US" dirty="0" smtClean="0">
+                <a:solidFill>
+                  <a:schemeClr val="bg1"/>
+                </a:solidFill>
+              </a:rPr>
+              <a:t> </a:t>
+            </a:r>
+            <a:r>
+              <a:rPr lang="mr-IN" dirty="0" smtClean="0">
+                <a:solidFill>
+                  <a:schemeClr val="bg1"/>
+                </a:solidFill>
+              </a:rPr>
+              <a:t>–</a:t>
+            </a:r>
+            <a:r>
+              <a:rPr lang="en-US" dirty="0" smtClean="0">
+                <a:solidFill>
+                  <a:schemeClr val="bg1"/>
+                </a:solidFill>
+              </a:rPr>
+              <a:t>get-services</a:t>
+            </a:r>
+            <a:endParaRPr lang="bg-BG" dirty="0">
+              <a:solidFill>
+                <a:schemeClr val="bg1"/>
+              </a:solidFill>
+            </a:endParaRPr>
+          </a:p>
+          <a:p>
+            <a:r>
+              <a:rPr lang="en-US" dirty="0" smtClean="0">
+                <a:solidFill>
+                  <a:schemeClr val="accent6"/>
+                </a:solidFill>
+              </a:rPr>
+              <a:t> </a:t>
+            </a:r>
+            <a:endParaRPr lang="en-US" dirty="0" smtClean="0">
+              <a:solidFill>
+                <a:schemeClr val="accent6"/>
+              </a:solidFill>
+            </a:endParaRPr>
+          </a:p>
+        </p:txBody>
+      </p:sp>
+      <p:graphicFrame>
+        <p:nvGraphicFramePr>
+          <p:cNvPr id="3" name="Table 2"/>
+          <p:cNvGraphicFramePr>
+            <a:graphicFrameLocks noGrp="1"/>
+          </p:cNvGraphicFramePr>
+          <p:nvPr>
+            <p:extLst>
+              <p:ext uri="{D42A27DB-BD31-4B8C-83A1-F6EECF244321}">
+                <p14:modId xmlns:p14="http://schemas.microsoft.com/office/powerpoint/2010/main" val="1008423805"/>
+              </p:ext>
+            </p:extLst>
+          </p:nvPr>
+        </p:nvGraphicFramePr>
+        <p:xfrm>
+          <a:off x="838200" y="2895599"/>
+          <a:ext cx="6553200" cy="2578808"/>
+        </p:xfrm>
+        <a:graphic>
+          <a:graphicData uri="http://schemas.openxmlformats.org/drawingml/2006/table">
+            <a:tbl>
+              <a:tblPr firstRow="1" bandRow="1">
+                <a:tableStyleId>{5C22544A-7EE6-4342-B048-85BDC9FD1C3A}</a:tableStyleId>
+              </a:tblPr>
+              <a:tblGrid>
+                <a:gridCol w="3276600"/>
+                <a:gridCol w="3276600"/>
+              </a:tblGrid>
+              <a:tr h="499672">
+                <a:tc>
+                  <a:txBody>
+                    <a:bodyPr/>
+                    <a:lstStyle/>
+                    <a:p>
+                      <a:r>
+                        <a:rPr lang="en-US" dirty="0" smtClean="0"/>
+                        <a:t>Service</a:t>
+                      </a:r>
+                      <a:r>
+                        <a:rPr lang="en-US" baseline="0" dirty="0" smtClean="0"/>
+                        <a:t> name</a:t>
+                      </a:r>
+                      <a:endParaRPr lang="en-US" dirty="0"/>
+                    </a:p>
+                  </a:txBody>
+                  <a:tcPr/>
+                </a:tc>
+                <a:tc>
+                  <a:txBody>
+                    <a:bodyPr/>
+                    <a:lstStyle/>
+                    <a:p>
+                      <a:r>
+                        <a:rPr lang="en-US" dirty="0" err="1" smtClean="0"/>
+                        <a:t>Configuratin</a:t>
+                      </a:r>
+                      <a:endParaRPr lang="en-US" dirty="0"/>
+                    </a:p>
+                  </a:txBody>
+                  <a:tcPr/>
+                </a:tc>
+              </a:tr>
+              <a:tr h="524656">
+                <a:tc>
+                  <a:txBody>
+                    <a:bodyPr/>
+                    <a:lstStyle/>
+                    <a:p>
+                      <a:r>
+                        <a:rPr lang="en-US" dirty="0" err="1" smtClean="0"/>
+                        <a:t>ssh</a:t>
+                      </a:r>
+                      <a:endParaRPr lang="en-US" dirty="0"/>
+                    </a:p>
+                  </a:txBody>
+                  <a:tcPr/>
+                </a:tc>
+                <a:tc>
+                  <a:txBody>
+                    <a:bodyPr/>
+                    <a:lstStyle/>
+                    <a:p>
+                      <a:r>
+                        <a:rPr lang="en-US" dirty="0" smtClean="0"/>
+                        <a:t>Local </a:t>
+                      </a:r>
+                      <a:r>
+                        <a:rPr lang="en-US" dirty="0" err="1" smtClean="0"/>
+                        <a:t>ssh</a:t>
+                      </a:r>
+                      <a:r>
+                        <a:rPr lang="en-US" dirty="0" smtClean="0"/>
+                        <a:t> server, traffic to 22/</a:t>
+                      </a:r>
+                      <a:r>
+                        <a:rPr lang="en-US" dirty="0" err="1" smtClean="0"/>
+                        <a:t>tcp</a:t>
+                      </a:r>
+                      <a:endParaRPr lang="en-US" dirty="0"/>
+                    </a:p>
+                  </a:txBody>
+                  <a:tcPr/>
+                </a:tc>
+              </a:tr>
+              <a:tr h="524656">
+                <a:tc>
+                  <a:txBody>
+                    <a:bodyPr/>
+                    <a:lstStyle/>
+                    <a:p>
+                      <a:r>
+                        <a:rPr lang="en-US" dirty="0" smtClean="0"/>
+                        <a:t>Dhcpv6-client</a:t>
+                      </a:r>
+                      <a:endParaRPr lang="en-US" dirty="0"/>
+                    </a:p>
+                  </a:txBody>
+                  <a:tcPr/>
+                </a:tc>
+                <a:tc>
+                  <a:txBody>
+                    <a:bodyPr/>
+                    <a:lstStyle/>
+                    <a:p>
+                      <a:r>
+                        <a:rPr lang="en-US" dirty="0" smtClean="0"/>
+                        <a:t>Local</a:t>
+                      </a:r>
+                      <a:r>
+                        <a:rPr lang="en-US" baseline="0" dirty="0" smtClean="0"/>
+                        <a:t> DHCPv6 client. Traffic to 546/</a:t>
+                      </a:r>
+                      <a:r>
+                        <a:rPr lang="en-US" baseline="0" dirty="0" err="1" smtClean="0"/>
+                        <a:t>udp</a:t>
+                      </a:r>
+                      <a:r>
+                        <a:rPr lang="en-US" baseline="0" dirty="0" smtClean="0"/>
+                        <a:t> </a:t>
+                      </a:r>
+                      <a:endParaRPr lang="en-US" dirty="0"/>
+                    </a:p>
+                  </a:txBody>
+                  <a:tcPr/>
+                </a:tc>
+              </a:tr>
+              <a:tr h="749508">
+                <a:tc>
+                  <a:txBody>
+                    <a:bodyPr/>
+                    <a:lstStyle/>
+                    <a:p>
+                      <a:r>
+                        <a:rPr lang="en-US" dirty="0" smtClean="0"/>
+                        <a:t>Samba-client</a:t>
+                      </a:r>
+                    </a:p>
+                  </a:txBody>
+                  <a:tcPr/>
+                </a:tc>
+                <a:tc>
+                  <a:txBody>
+                    <a:bodyPr/>
+                    <a:lstStyle/>
+                    <a:p>
+                      <a:r>
+                        <a:rPr lang="en-US" dirty="0" smtClean="0"/>
+                        <a:t>Local Windows file and print</a:t>
+                      </a:r>
+                      <a:r>
+                        <a:rPr lang="en-US" baseline="0" dirty="0" smtClean="0"/>
+                        <a:t> sharing client. Traffic to 137/</a:t>
+                      </a:r>
+                      <a:r>
+                        <a:rPr lang="en-US" baseline="0" dirty="0" err="1" smtClean="0"/>
+                        <a:t>udp</a:t>
+                      </a:r>
+                      <a:r>
+                        <a:rPr lang="en-US" baseline="0" dirty="0" smtClean="0"/>
+                        <a:t> and 138/</a:t>
+                      </a:r>
+                      <a:r>
+                        <a:rPr lang="en-US" baseline="0" dirty="0" err="1" smtClean="0"/>
+                        <a:t>udp</a:t>
+                      </a:r>
+                      <a:endParaRPr lang="en-US" dirty="0"/>
+                    </a:p>
+                  </a:txBody>
+                  <a:tcPr/>
+                </a:tc>
+              </a:tr>
+            </a:tbl>
+          </a:graphicData>
+        </a:graphic>
+      </p:graphicFrame>
+    </p:spTree>
+    <p:extLst>
+      <p:ext uri="{BB962C8B-B14F-4D97-AF65-F5344CB8AC3E}">
+        <p14:creationId xmlns:p14="http://schemas.microsoft.com/office/powerpoint/2010/main" val="413632520"/>
+      </p:ext>
+    </p:extLst>
+  </p:cSld>
+  <p:clrMapOvr>
+    <a:masterClrMapping/>
+  </p:clrMapOvr>
+</p:sld>
+</file>
+
+<file path=ppt/slides/slide5.xml><?xml version="1.0" encoding="utf-8"?>
+<p:sld xmlns:a="http://schemas.openxmlformats.org/drawingml/2006/main" xmlns:r="http://schemas.openxmlformats.org/officeDocument/2006/relationships" xmlns:p="http://schemas.openxmlformats.org/presentationml/2006/main">
+  <p:cSld>
+    <p:spTree>
+      <p:nvGrpSpPr>
+        <p:cNvPr id="1" name=""/>
+        <p:cNvGrpSpPr/>
+        <p:nvPr/>
+      </p:nvGrpSpPr>
+      <p:grpSpPr>
+        <a:xfrm>
+          <a:off x="0" y="0"/>
+          <a:ext cx="0" cy="0"/>
+          <a:chOff x="0" y="0"/>
+          <a:chExt cx="0" cy="0"/>
+        </a:xfrm>
+      </p:grpSpPr>
+      <p:sp>
+        <p:nvSpPr>
+          <p:cNvPr id="2" name="Title 1"/>
+          <p:cNvSpPr>
+            <a:spLocks noGrp="1"/>
+          </p:cNvSpPr>
+          <p:nvPr>
+            <p:ph type="title"/>
+          </p:nvPr>
+        </p:nvSpPr>
+        <p:spPr>
+          <a:xfrm>
+            <a:off x="228600" y="533400"/>
+            <a:ext cx="8534400" cy="2438400"/>
+          </a:xfrm>
+        </p:spPr>
+        <p:txBody>
+          <a:bodyPr>
+            <a:normAutofit fontScale="90000"/>
+          </a:bodyPr>
+          <a:lstStyle/>
+          <a:p>
+            <a:r>
+              <a:rPr lang="en-US" dirty="0" smtClean="0">
+                <a:solidFill>
+                  <a:schemeClr val="accent6"/>
+                </a:solidFill>
+              </a:rPr>
+              <a:t/>
+            </a:r>
+            <a:br>
+              <a:rPr lang="en-US" dirty="0" smtClean="0">
+                <a:solidFill>
+                  <a:schemeClr val="accent6"/>
+                </a:solidFill>
+              </a:rPr>
+            </a:br>
+            <a:r>
+              <a:rPr lang="en-US" dirty="0">
+                <a:solidFill>
+                  <a:schemeClr val="accent6"/>
+                </a:solidFill>
+              </a:rPr>
+              <a:t/>
+            </a:r>
+            <a:br>
+              <a:rPr lang="en-US" dirty="0">
+                <a:solidFill>
+                  <a:schemeClr val="accent6"/>
+                </a:solidFill>
+              </a:rPr>
+            </a:br>
+            <a:r>
+              <a:rPr lang="en-US" dirty="0" smtClean="0">
+                <a:solidFill>
+                  <a:schemeClr val="accent6"/>
+                </a:solidFill>
+              </a:rPr>
+              <a:t/>
+            </a:r>
+            <a:br>
+              <a:rPr lang="en-US" dirty="0" smtClean="0">
+                <a:solidFill>
+                  <a:schemeClr val="accent6"/>
+                </a:solidFill>
+              </a:rPr>
+            </a:br>
+            <a:r>
+              <a:rPr lang="en-US" dirty="0">
+                <a:solidFill>
+                  <a:schemeClr val="accent6"/>
+                </a:solidFill>
+              </a:rPr>
+              <a:t/>
+            </a:r>
+            <a:br>
+              <a:rPr lang="en-US" dirty="0">
+                <a:solidFill>
+                  <a:schemeClr val="accent6"/>
+                </a:solidFill>
+              </a:rPr>
+            </a:br>
+            <a:r>
+              <a:rPr lang="en-US" dirty="0" smtClean="0">
+                <a:solidFill>
+                  <a:schemeClr val="accent6"/>
+                </a:solidFill>
+              </a:rPr>
+              <a:t/>
+            </a:r>
+            <a:br>
+              <a:rPr lang="en-US" dirty="0" smtClean="0">
+                <a:solidFill>
+                  <a:schemeClr val="accent6"/>
+                </a:solidFill>
+              </a:rPr>
+            </a:br>
+            <a:r>
+              <a:rPr lang="en-US" dirty="0">
+                <a:solidFill>
+                  <a:schemeClr val="accent6"/>
+                </a:solidFill>
+              </a:rPr>
+              <a:t/>
+            </a:r>
+            <a:br>
+              <a:rPr lang="en-US" dirty="0">
+                <a:solidFill>
+                  <a:schemeClr val="accent6"/>
+                </a:solidFill>
+              </a:rPr>
+            </a:br>
+            <a:r>
+              <a:rPr lang="en-US" smtClean="0">
+                <a:solidFill>
+                  <a:schemeClr val="accent6"/>
+                </a:solidFill>
+              </a:rPr>
+              <a:t/>
+            </a:r>
+            <a:br>
+              <a:rPr lang="en-US" smtClean="0">
+                <a:solidFill>
+                  <a:schemeClr val="accent6"/>
+                </a:solidFill>
+              </a:rPr>
+            </a:br>
+            <a:endParaRPr lang="en-US" sz="2700" dirty="0">
+              <a:solidFill>
+                <a:schemeClr val="accent6"/>
+              </a:solidFill>
+            </a:endParaRPr>
+          </a:p>
+        </p:txBody>
+      </p:sp>
+    </p:spTree>
+    <p:extLst>
+      <p:ext uri="{BB962C8B-B14F-4D97-AF65-F5344CB8AC3E}">
+        <p14:creationId xmlns:p14="http://schemas.microsoft.com/office/powerpoint/2010/main" val="574986336"/>
       </p:ext>
     </p:extLst>
   </p:cSld>

--- a/13.Firewall/13-Firewalld.pptx
+++ b/13.Firewall/13-Firewalld.pptx
@@ -12,7 +12,7 @@
     <p:sldId id="285" r:id="rId3"/>
     <p:sldId id="286" r:id="rId4"/>
     <p:sldId id="288" r:id="rId5"/>
-    <p:sldId id="287" r:id="rId6"/>
+    <p:sldId id="289" r:id="rId6"/>
   </p:sldIdLst>
   <p:sldSz cx="9144000" cy="6858000" type="screen4x3"/>
   <p:notesSz cx="6858000" cy="9144000"/>
@@ -5328,12 +5328,7 @@
             <p:ph type="title"/>
           </p:nvPr>
         </p:nvSpPr>
-        <p:spPr>
-          <a:xfrm>
-            <a:off x="228600" y="533400"/>
-            <a:ext cx="8534400" cy="2438400"/>
-          </a:xfrm>
-        </p:spPr>
+        <p:spPr/>
         <p:txBody>
           <a:bodyPr>
             <a:normAutofit fontScale="90000"/>
@@ -5453,10 +5448,273 @@
           </a:p>
         </p:txBody>
       </p:sp>
+      <p:sp>
+        <p:nvSpPr>
+          <p:cNvPr id="4" name="TextBox 3"/>
+          <p:cNvSpPr txBox="1"/>
+          <p:nvPr/>
+        </p:nvSpPr>
+        <p:spPr>
+          <a:xfrm>
+            <a:off x="0" y="552271"/>
+            <a:ext cx="8686800" cy="3139321"/>
+          </a:xfrm>
+          <a:prstGeom prst="rect">
+            <a:avLst/>
+          </a:prstGeom>
+          <a:noFill/>
+        </p:spPr>
+        <p:txBody>
+          <a:bodyPr wrap="square" rtlCol="0">
+            <a:spAutoFit/>
+          </a:bodyPr>
+          <a:lstStyle/>
+          <a:p>
+            <a:r>
+              <a:rPr lang="en-US" dirty="0" smtClean="0"/>
+              <a:t>P</a:t>
+            </a:r>
+          </a:p>
+          <a:p>
+            <a:endParaRPr lang="en-US" dirty="0"/>
+          </a:p>
+          <a:p>
+            <a:r>
+              <a:rPr lang="en-US" dirty="0" smtClean="0"/>
+              <a:t>			</a:t>
+            </a:r>
+            <a:r>
+              <a:rPr lang="en-US" dirty="0" err="1" smtClean="0"/>
+              <a:t>C</a:t>
+            </a:r>
+            <a:r>
+              <a:rPr lang="en-US" dirty="0" err="1" smtClean="0">
+                <a:solidFill>
+                  <a:schemeClr val="accent6"/>
+                </a:solidFill>
+              </a:rPr>
+              <a:t>Configure</a:t>
+            </a:r>
+            <a:r>
+              <a:rPr lang="en-US" dirty="0" smtClean="0">
+                <a:solidFill>
+                  <a:schemeClr val="accent6"/>
+                </a:solidFill>
+              </a:rPr>
+              <a:t> firewall settings</a:t>
+            </a:r>
+          </a:p>
+          <a:p>
+            <a:r>
+              <a:rPr lang="en-US" dirty="0">
+                <a:solidFill>
+                  <a:schemeClr val="accent6"/>
+                </a:solidFill>
+              </a:rPr>
+              <a:t> </a:t>
+            </a:r>
+            <a:endParaRPr lang="en-US" dirty="0" smtClean="0">
+              <a:solidFill>
+                <a:schemeClr val="accent6"/>
+              </a:solidFill>
+            </a:endParaRPr>
+          </a:p>
+          <a:p>
+            <a:pPr marL="342900" indent="-342900">
+              <a:buAutoNum type="arabicPeriod"/>
+            </a:pPr>
+            <a:r>
+              <a:rPr lang="en-US" dirty="0" smtClean="0">
+                <a:solidFill>
+                  <a:schemeClr val="accent6"/>
+                </a:solidFill>
+              </a:rPr>
+              <a:t>Using </a:t>
+            </a:r>
+            <a:r>
+              <a:rPr lang="en-US" dirty="0" smtClean="0">
+                <a:solidFill>
+                  <a:schemeClr val="bg1"/>
+                </a:solidFill>
+              </a:rPr>
+              <a:t>firewall-</a:t>
+            </a:r>
+            <a:r>
+              <a:rPr lang="en-US" dirty="0" err="1" smtClean="0">
+                <a:solidFill>
+                  <a:schemeClr val="bg1"/>
+                </a:solidFill>
+              </a:rPr>
+              <a:t>config</a:t>
+            </a:r>
+            <a:r>
+              <a:rPr lang="en-US" dirty="0" smtClean="0">
+                <a:solidFill>
+                  <a:schemeClr val="accent6"/>
+                </a:solidFill>
+              </a:rPr>
+              <a:t> =&gt; GUI tool, you need GUI environment.</a:t>
+            </a:r>
+          </a:p>
+          <a:p>
+            <a:pPr marL="342900" indent="-342900">
+              <a:buAutoNum type="arabicPeriod"/>
+            </a:pPr>
+            <a:r>
+              <a:rPr lang="en-US" dirty="0" smtClean="0">
+                <a:solidFill>
+                  <a:schemeClr val="accent6"/>
+                </a:solidFill>
+              </a:rPr>
+              <a:t>Using </a:t>
+            </a:r>
+            <a:r>
+              <a:rPr lang="en-US" dirty="0" smtClean="0">
+                <a:solidFill>
+                  <a:schemeClr val="bg1"/>
+                </a:solidFill>
+              </a:rPr>
+              <a:t>firewall-</a:t>
+            </a:r>
+            <a:r>
+              <a:rPr lang="en-US" dirty="0" err="1" smtClean="0">
+                <a:solidFill>
+                  <a:schemeClr val="bg1"/>
+                </a:solidFill>
+              </a:rPr>
+              <a:t>cmd</a:t>
+            </a:r>
+            <a:r>
+              <a:rPr lang="en-US" dirty="0" smtClean="0">
+                <a:solidFill>
+                  <a:schemeClr val="bg1"/>
+                </a:solidFill>
+              </a:rPr>
+              <a:t> </a:t>
+            </a:r>
+            <a:r>
+              <a:rPr lang="en-US" dirty="0" smtClean="0">
+                <a:solidFill>
+                  <a:schemeClr val="accent6"/>
+                </a:solidFill>
+              </a:rPr>
+              <a:t>=&gt; command line tool, no GUI needed.</a:t>
+            </a:r>
+          </a:p>
+          <a:p>
+            <a:pPr marL="342900" indent="-342900">
+              <a:buAutoNum type="arabicPeriod"/>
+            </a:pPr>
+            <a:endParaRPr lang="en-US" dirty="0">
+              <a:solidFill>
+                <a:schemeClr val="accent6"/>
+              </a:solidFill>
+            </a:endParaRPr>
+          </a:p>
+          <a:p>
+            <a:pPr marL="2171700" lvl="4" indent="-342900">
+              <a:buAutoNum type="arabicPeriod"/>
+            </a:pPr>
+            <a:endParaRPr lang="bg-BG" dirty="0" smtClean="0">
+              <a:solidFill>
+                <a:schemeClr val="accent6"/>
+              </a:solidFill>
+            </a:endParaRPr>
+          </a:p>
+          <a:p>
+            <a:endParaRPr lang="en-US" dirty="0" smtClean="0">
+              <a:solidFill>
+                <a:schemeClr val="accent6"/>
+              </a:solidFill>
+            </a:endParaRPr>
+          </a:p>
+          <a:p>
+            <a:r>
+              <a:rPr lang="en-US" dirty="0">
+                <a:solidFill>
+                  <a:schemeClr val="accent6"/>
+                </a:solidFill>
+              </a:rPr>
+              <a:t>	</a:t>
+            </a:r>
+            <a:r>
+              <a:rPr lang="en-US" dirty="0" smtClean="0">
+                <a:solidFill>
+                  <a:schemeClr val="accent6"/>
+                </a:solidFill>
+              </a:rPr>
+              <a:t>			</a:t>
+            </a:r>
+            <a:r>
+              <a:rPr lang="en-US" dirty="0" smtClean="0">
+                <a:solidFill>
+                  <a:srgbClr val="FF0000"/>
+                </a:solidFill>
+              </a:rPr>
+              <a:t>Exercises:</a:t>
+            </a:r>
+          </a:p>
+          <a:p>
+            <a:r>
+              <a:rPr lang="en-US" dirty="0">
+                <a:solidFill>
+                  <a:schemeClr val="accent6"/>
+                </a:solidFill>
+              </a:rPr>
+              <a:t>	</a:t>
+            </a:r>
+            <a:r>
+              <a:rPr lang="en-US" dirty="0" smtClean="0">
+                <a:solidFill>
+                  <a:schemeClr val="accent6"/>
+                </a:solidFill>
+              </a:rPr>
+              <a:t>	1. Set your default zone to </a:t>
+            </a:r>
+            <a:r>
+              <a:rPr lang="en-US" dirty="0" err="1" smtClean="0">
+                <a:solidFill>
+                  <a:schemeClr val="accent6"/>
+                </a:solidFill>
+              </a:rPr>
+              <a:t>dmz</a:t>
+            </a:r>
+            <a:r>
+              <a:rPr lang="en-US" dirty="0">
+                <a:solidFill>
+                  <a:schemeClr val="accent6"/>
+                </a:solidFill>
+              </a:rPr>
+              <a:t> </a:t>
+            </a:r>
+            <a:r>
+              <a:rPr lang="en-US" dirty="0" smtClean="0">
+                <a:solidFill>
+                  <a:schemeClr val="accent6"/>
+                </a:solidFill>
+              </a:rPr>
+              <a:t>using firewall-</a:t>
+            </a:r>
+            <a:r>
+              <a:rPr lang="en-US" dirty="0" err="1" smtClean="0">
+                <a:solidFill>
+                  <a:schemeClr val="accent6"/>
+                </a:solidFill>
+              </a:rPr>
+              <a:t>cmd</a:t>
+            </a:r>
+            <a:endParaRPr lang="en-US" dirty="0" smtClean="0">
+              <a:solidFill>
+                <a:schemeClr val="accent6"/>
+              </a:solidFill>
+            </a:endParaRPr>
+          </a:p>
+        </p:txBody>
+      </p:sp>
     </p:spTree>
     <p:extLst>
       <p:ext uri="{BB962C8B-B14F-4D97-AF65-F5344CB8AC3E}">
-        <p14:creationId xmlns:p14="http://schemas.microsoft.com/office/powerpoint/2010/main" val="574986336"/>
+        <p14:creationId xmlns:p14="http://schemas.microsoft.com/office/powerpoint/2010/main" val="782235266"/>
       </p:ext>
     </p:extLst>
   </p:cSld>

--- a/13.Firewall/13-Firewalld.pptx
+++ b/13.Firewall/13-Firewalld.pptx
@@ -220,7 +220,7 @@
           <a:p>
             <a:fld id="{75861919-8521-4274-BB91-998CD62CEE44}" type="datetimeFigureOut">
               <a:rPr lang="en-US" smtClean="0"/>
-              <a:t>4/25/17</a:t>
+              <a:t>4/26/17</a:t>
             </a:fld>
             <a:endParaRPr lang="en-US"/>
           </a:p>
@@ -669,7 +669,7 @@
           <a:p>
             <a:fld id="{3EA744D9-3FBE-48D8-BF2A-85DF203E4D20}" type="datetimeFigureOut">
               <a:rPr lang="bg-BG" smtClean="0"/>
-              <a:t>25.04.17 г.</a:t>
+              <a:t>26.04.17 г.</a:t>
             </a:fld>
             <a:endParaRPr lang="bg-BG"/>
           </a:p>
@@ -839,7 +839,7 @@
           <a:p>
             <a:fld id="{3EA744D9-3FBE-48D8-BF2A-85DF203E4D20}" type="datetimeFigureOut">
               <a:rPr lang="bg-BG" smtClean="0"/>
-              <a:t>25.04.17 г.</a:t>
+              <a:t>26.04.17 г.</a:t>
             </a:fld>
             <a:endParaRPr lang="bg-BG"/>
           </a:p>
@@ -1019,7 +1019,7 @@
           <a:p>
             <a:fld id="{3EA744D9-3FBE-48D8-BF2A-85DF203E4D20}" type="datetimeFigureOut">
               <a:rPr lang="bg-BG" smtClean="0"/>
-              <a:t>25.04.17 г.</a:t>
+              <a:t>26.04.17 г.</a:t>
             </a:fld>
             <a:endParaRPr lang="bg-BG"/>
           </a:p>
@@ -1189,7 +1189,7 @@
           <a:p>
             <a:fld id="{3EA744D9-3FBE-48D8-BF2A-85DF203E4D20}" type="datetimeFigureOut">
               <a:rPr lang="bg-BG" smtClean="0"/>
-              <a:t>25.04.17 г.</a:t>
+              <a:t>26.04.17 г.</a:t>
             </a:fld>
             <a:endParaRPr lang="bg-BG"/>
           </a:p>
@@ -1435,7 +1435,7 @@
           <a:p>
             <a:fld id="{3EA744D9-3FBE-48D8-BF2A-85DF203E4D20}" type="datetimeFigureOut">
               <a:rPr lang="bg-BG" smtClean="0"/>
-              <a:t>25.04.17 г.</a:t>
+              <a:t>26.04.17 г.</a:t>
             </a:fld>
             <a:endParaRPr lang="bg-BG"/>
           </a:p>
@@ -1723,7 +1723,7 @@
           <a:p>
             <a:fld id="{3EA744D9-3FBE-48D8-BF2A-85DF203E4D20}" type="datetimeFigureOut">
               <a:rPr lang="bg-BG" smtClean="0"/>
-              <a:t>25.04.17 г.</a:t>
+              <a:t>26.04.17 г.</a:t>
             </a:fld>
             <a:endParaRPr lang="bg-BG"/>
           </a:p>
@@ -2145,7 +2145,7 @@
           <a:p>
             <a:fld id="{3EA744D9-3FBE-48D8-BF2A-85DF203E4D20}" type="datetimeFigureOut">
               <a:rPr lang="bg-BG" smtClean="0"/>
-              <a:t>25.04.17 г.</a:t>
+              <a:t>26.04.17 г.</a:t>
             </a:fld>
             <a:endParaRPr lang="bg-BG"/>
           </a:p>
@@ -2263,7 +2263,7 @@
           <a:p>
             <a:fld id="{3EA744D9-3FBE-48D8-BF2A-85DF203E4D20}" type="datetimeFigureOut">
               <a:rPr lang="bg-BG" smtClean="0"/>
-              <a:t>25.04.17 г.</a:t>
+              <a:t>26.04.17 г.</a:t>
             </a:fld>
             <a:endParaRPr lang="bg-BG"/>
           </a:p>
@@ -2358,7 +2358,7 @@
           <a:p>
             <a:fld id="{3EA744D9-3FBE-48D8-BF2A-85DF203E4D20}" type="datetimeFigureOut">
               <a:rPr lang="bg-BG" smtClean="0"/>
-              <a:t>25.04.17 г.</a:t>
+              <a:t>26.04.17 г.</a:t>
             </a:fld>
             <a:endParaRPr lang="bg-BG"/>
           </a:p>
@@ -2635,7 +2635,7 @@
           <a:p>
             <a:fld id="{3EA744D9-3FBE-48D8-BF2A-85DF203E4D20}" type="datetimeFigureOut">
               <a:rPr lang="bg-BG" smtClean="0"/>
-              <a:t>25.04.17 г.</a:t>
+              <a:t>26.04.17 г.</a:t>
             </a:fld>
             <a:endParaRPr lang="bg-BG"/>
           </a:p>
@@ -2888,7 +2888,7 @@
           <a:p>
             <a:fld id="{3EA744D9-3FBE-48D8-BF2A-85DF203E4D20}" type="datetimeFigureOut">
               <a:rPr lang="bg-BG" smtClean="0"/>
-              <a:t>25.04.17 г.</a:t>
+              <a:t>26.04.17 г.</a:t>
             </a:fld>
             <a:endParaRPr lang="bg-BG"/>
           </a:p>
@@ -3110,7 +3110,7 @@
           <a:p>
             <a:fld id="{3EA744D9-3FBE-48D8-BF2A-85DF203E4D20}" type="datetimeFigureOut">
               <a:rPr lang="bg-BG" smtClean="0"/>
-              <a:t>25.04.17 г.</a:t>
+              <a:t>26.04.17 г.</a:t>
             </a:fld>
             <a:endParaRPr lang="bg-BG"/>
           </a:p>
@@ -5085,11 +5085,6 @@
               </a:rPr>
               <a:t> </a:t>
             </a:r>
-            <a:endParaRPr lang="en-US" dirty="0" smtClean="0">
-              <a:solidFill>
-                <a:schemeClr val="accent6"/>
-              </a:solidFill>
-            </a:endParaRPr>
           </a:p>
         </p:txBody>
       </p:sp>
@@ -5457,7 +5452,7 @@
         <p:spPr>
           <a:xfrm>
             <a:off x="0" y="552271"/>
-            <a:ext cx="8686800" cy="3139321"/>
+            <a:ext cx="8686800" cy="3970318"/>
           </a:xfrm>
           <a:prstGeom prst="rect">
             <a:avLst/>
@@ -5693,7 +5688,15 @@
                   <a:schemeClr val="accent6"/>
                 </a:solidFill>
               </a:rPr>
-              <a:t>using firewall-</a:t>
+              <a:t>using </a:t>
+            </a:r>
+            <a:r>
+              <a:rPr lang="en-US" dirty="0" smtClean="0">
+                <a:solidFill>
+                  <a:schemeClr val="accent6"/>
+                </a:solidFill>
+              </a:rPr>
+              <a:t>firewall-</a:t>
             </a:r>
             <a:r>
               <a:rPr lang="en-US" dirty="0" err="1" smtClean="0">
@@ -5702,6 +5705,69 @@
                 </a:solidFill>
               </a:rPr>
               <a:t>cmd</a:t>
+            </a:r>
+            <a:endParaRPr lang="en-US" dirty="0" smtClean="0">
+              <a:solidFill>
+                <a:schemeClr val="accent6"/>
+              </a:solidFill>
+            </a:endParaRPr>
+          </a:p>
+          <a:p>
+            <a:endParaRPr lang="en-US" dirty="0">
+              <a:solidFill>
+                <a:schemeClr val="accent6"/>
+              </a:solidFill>
+            </a:endParaRPr>
+          </a:p>
+          <a:p>
+            <a:r>
+              <a:rPr lang="en-US" dirty="0" smtClean="0">
+                <a:solidFill>
+                  <a:schemeClr val="accent6"/>
+                </a:solidFill>
+              </a:rPr>
+              <a:t>Whenever you are making a change to the </a:t>
+            </a:r>
+            <a:r>
+              <a:rPr lang="en-US" dirty="0" err="1" smtClean="0">
+                <a:solidFill>
+                  <a:schemeClr val="accent6"/>
+                </a:solidFill>
+              </a:rPr>
+              <a:t>firewalld</a:t>
+            </a:r>
+            <a:r>
+              <a:rPr lang="en-US" dirty="0" smtClean="0">
+                <a:solidFill>
+                  <a:schemeClr val="accent6"/>
+                </a:solidFill>
+              </a:rPr>
+              <a:t>, make sure you reload it with </a:t>
+            </a:r>
+            <a:r>
+              <a:rPr lang="mr-IN" dirty="0" smtClean="0">
+                <a:solidFill>
+                  <a:schemeClr val="bg1"/>
+                </a:solidFill>
+              </a:rPr>
+              <a:t>–</a:t>
+            </a:r>
+            <a:r>
+              <a:rPr lang="en-US" dirty="0" smtClean="0">
+                <a:solidFill>
+                  <a:schemeClr val="bg1"/>
+                </a:solidFill>
+              </a:rPr>
+              <a:t>reload </a:t>
+            </a:r>
+            <a:r>
+              <a:rPr lang="en-US" dirty="0" smtClean="0">
+                <a:solidFill>
+                  <a:schemeClr val="accent6"/>
+                </a:solidFill>
+                <a:sym typeface="Wingdings"/>
+              </a:rPr>
+              <a:t></a:t>
             </a:r>
             <a:endParaRPr lang="en-US" dirty="0" smtClean="0">
               <a:solidFill>
